--- a/devday-2018/img/api-internal-external.pptx
+++ b/devday-2018/img/api-internal-external.pptx
@@ -259,7 +259,7 @@
           <a:p>
             <a:fld id="{8E356357-5278-9D45-BA80-B71C4B26E789}" type="datetimeFigureOut">
               <a:rPr lang="en-US" smtClean="0"/>
-              <a:t>10/28/18</a:t>
+              <a:t>11/7/18</a:t>
             </a:fld>
             <a:endParaRPr lang="en-US"/>
           </a:p>
@@ -457,7 +457,7 @@
           <a:p>
             <a:fld id="{8E356357-5278-9D45-BA80-B71C4B26E789}" type="datetimeFigureOut">
               <a:rPr lang="en-US" smtClean="0"/>
-              <a:t>10/28/18</a:t>
+              <a:t>11/7/18</a:t>
             </a:fld>
             <a:endParaRPr lang="en-US"/>
           </a:p>
@@ -665,7 +665,7 @@
           <a:p>
             <a:fld id="{8E356357-5278-9D45-BA80-B71C4B26E789}" type="datetimeFigureOut">
               <a:rPr lang="en-US" smtClean="0"/>
-              <a:t>10/28/18</a:t>
+              <a:t>11/7/18</a:t>
             </a:fld>
             <a:endParaRPr lang="en-US"/>
           </a:p>
@@ -863,7 +863,7 @@
           <a:p>
             <a:fld id="{8E356357-5278-9D45-BA80-B71C4B26E789}" type="datetimeFigureOut">
               <a:rPr lang="en-US" smtClean="0"/>
-              <a:t>10/28/18</a:t>
+              <a:t>11/7/18</a:t>
             </a:fld>
             <a:endParaRPr lang="en-US"/>
           </a:p>
@@ -1138,7 +1138,7 @@
           <a:p>
             <a:fld id="{8E356357-5278-9D45-BA80-B71C4B26E789}" type="datetimeFigureOut">
               <a:rPr lang="en-US" smtClean="0"/>
-              <a:t>10/28/18</a:t>
+              <a:t>11/7/18</a:t>
             </a:fld>
             <a:endParaRPr lang="en-US"/>
           </a:p>
@@ -1403,7 +1403,7 @@
           <a:p>
             <a:fld id="{8E356357-5278-9D45-BA80-B71C4B26E789}" type="datetimeFigureOut">
               <a:rPr lang="en-US" smtClean="0"/>
-              <a:t>10/28/18</a:t>
+              <a:t>11/7/18</a:t>
             </a:fld>
             <a:endParaRPr lang="en-US"/>
           </a:p>
@@ -1815,7 +1815,7 @@
           <a:p>
             <a:fld id="{8E356357-5278-9D45-BA80-B71C4B26E789}" type="datetimeFigureOut">
               <a:rPr lang="en-US" smtClean="0"/>
-              <a:t>10/28/18</a:t>
+              <a:t>11/7/18</a:t>
             </a:fld>
             <a:endParaRPr lang="en-US"/>
           </a:p>
@@ -1956,7 +1956,7 @@
           <a:p>
             <a:fld id="{8E356357-5278-9D45-BA80-B71C4B26E789}" type="datetimeFigureOut">
               <a:rPr lang="en-US" smtClean="0"/>
-              <a:t>10/28/18</a:t>
+              <a:t>11/7/18</a:t>
             </a:fld>
             <a:endParaRPr lang="en-US"/>
           </a:p>
@@ -2069,7 +2069,7 @@
           <a:p>
             <a:fld id="{8E356357-5278-9D45-BA80-B71C4B26E789}" type="datetimeFigureOut">
               <a:rPr lang="en-US" smtClean="0"/>
-              <a:t>10/28/18</a:t>
+              <a:t>11/7/18</a:t>
             </a:fld>
             <a:endParaRPr lang="en-US"/>
           </a:p>
@@ -2380,7 +2380,7 @@
           <a:p>
             <a:fld id="{8E356357-5278-9D45-BA80-B71C4B26E789}" type="datetimeFigureOut">
               <a:rPr lang="en-US" smtClean="0"/>
-              <a:t>10/28/18</a:t>
+              <a:t>11/7/18</a:t>
             </a:fld>
             <a:endParaRPr lang="en-US"/>
           </a:p>
@@ -2668,7 +2668,7 @@
           <a:p>
             <a:fld id="{8E356357-5278-9D45-BA80-B71C4B26E789}" type="datetimeFigureOut">
               <a:rPr lang="en-US" smtClean="0"/>
-              <a:t>10/28/18</a:t>
+              <a:t>11/7/18</a:t>
             </a:fld>
             <a:endParaRPr lang="en-US"/>
           </a:p>
@@ -2909,7 +2909,7 @@
           <a:p>
             <a:fld id="{8E356357-5278-9D45-BA80-B71C4B26E789}" type="datetimeFigureOut">
               <a:rPr lang="en-US" smtClean="0"/>
-              <a:t>10/28/18</a:t>
+              <a:t>11/7/18</a:t>
             </a:fld>
             <a:endParaRPr lang="en-US"/>
           </a:p>
@@ -5845,7 +5845,7 @@
                   <a:schemeClr val="accent1"/>
                 </a:solidFill>
               </a:rPr>
-              <a:t>1</a:t>
+              <a:t>2</a:t>
             </a:r>
           </a:p>
         </p:txBody>
@@ -5909,7 +5909,7 @@
                   <a:schemeClr val="accent1"/>
                 </a:solidFill>
               </a:rPr>
-              <a:t>2</a:t>
+              <a:t>1</a:t>
             </a:r>
           </a:p>
         </p:txBody>
